--- a/FileFolder/A01海報.pptx
+++ b/FileFolder/A01海報.pptx
@@ -8472,81 +8472,6 @@
           </a:p>
         </p:txBody>
       </p:sp>
-      <p:pic>
-        <p:nvPicPr>
-          <p:cNvPr id="2" name="圖片 1">
-            <a:extLst>
-              <a:ext uri="{FF2B5EF4-FFF2-40B4-BE49-F238E27FC236}">
-                <a16:creationId xmlns:a16="http://schemas.microsoft.com/office/drawing/2014/main" id="{39A95785-3B51-9C00-D499-DC4FB1A2CD15}"/>
-              </a:ext>
-            </a:extLst>
-          </p:cNvPr>
-          <p:cNvPicPr>
-            <a:picLocks noChangeAspect="1"/>
-          </p:cNvPicPr>
-          <p:nvPr/>
-        </p:nvPicPr>
-        <p:blipFill rotWithShape="1">
-          <a:blip r:embed="rId15">
-            <a:clrChange>
-              <a:clrFrom>
-                <a:srgbClr val="FFFFFF"/>
-              </a:clrFrom>
-              <a:clrTo>
-                <a:srgbClr val="FFFFFF">
-                  <a:alpha val="0"/>
-                </a:srgbClr>
-              </a:clrTo>
-            </a:clrChange>
-          </a:blip>
-          <a:srcRect l="851" t="2084" r="5462"/>
-          <a:stretch/>
-        </p:blipFill>
-        <p:spPr bwMode="auto">
-          <a:xfrm>
-            <a:off x="547667" y="6476913"/>
-            <a:ext cx="6498591" cy="3696418"/>
-          </a:xfrm>
-          <a:prstGeom prst="rect">
-            <a:avLst/>
-          </a:prstGeom>
-          <a:solidFill>
-            <a:srgbClr val="FFFFFF">
-              <a:shade val="85000"/>
-            </a:srgbClr>
-          </a:solidFill>
-          <a:ln w="88900" cap="sq">
-            <a:solidFill>
-              <a:srgbClr val="FFFFFF"/>
-            </a:solidFill>
-            <a:miter lim="800000"/>
-          </a:ln>
-          <a:effectLst>
-            <a:outerShdw blurRad="55000" dist="18000" dir="5400000" algn="tl" rotWithShape="0">
-              <a:srgbClr val="000000">
-                <a:alpha val="40000"/>
-              </a:srgbClr>
-            </a:outerShdw>
-          </a:effectLst>
-          <a:scene3d>
-            <a:camera prst="orthographicFront"/>
-            <a:lightRig rig="twoPt" dir="t">
-              <a:rot lat="0" lon="0" rev="7200000"/>
-            </a:lightRig>
-          </a:scene3d>
-          <a:sp3d>
-            <a:bevelT w="25400" h="19050"/>
-            <a:contourClr>
-              <a:srgbClr val="FFFFFF"/>
-            </a:contourClr>
-          </a:sp3d>
-          <a:extLst>
-            <a:ext uri="{53640926-AAD7-44D8-BBD7-CCE9431645EC}">
-              <a14:shadowObscured xmlns:a14="http://schemas.microsoft.com/office/drawing/2010/main"/>
-            </a:ext>
-          </a:extLst>
-        </p:spPr>
-      </p:pic>
       <p:sp>
         <p:nvSpPr>
           <p:cNvPr id="6" name="文字方塊 5">
@@ -8769,7 +8694,7 @@
           <p:nvPr/>
         </p:nvPicPr>
         <p:blipFill>
-          <a:blip r:embed="rId16">
+          <a:blip r:embed="rId15">
             <a:clrChange>
               <a:clrFrom>
                 <a:srgbClr val="FFFFFF"/>
@@ -9289,6 +9214,77 @@
           </a:p>
         </p:txBody>
       </p:sp>
+      <p:pic>
+        <p:nvPicPr>
+          <p:cNvPr id="28" name="圖片 27">
+            <a:extLst>
+              <a:ext uri="{FF2B5EF4-FFF2-40B4-BE49-F238E27FC236}">
+                <a16:creationId xmlns:a16="http://schemas.microsoft.com/office/drawing/2014/main" id="{6010ED84-B26D-1D08-C90E-29493A15C1A8}"/>
+              </a:ext>
+            </a:extLst>
+          </p:cNvPr>
+          <p:cNvPicPr>
+            <a:picLocks noChangeAspect="1"/>
+          </p:cNvPicPr>
+          <p:nvPr/>
+        </p:nvPicPr>
+        <p:blipFill>
+          <a:blip r:embed="rId16">
+            <a:clrChange>
+              <a:clrFrom>
+                <a:srgbClr val="FFFFFF"/>
+              </a:clrFrom>
+              <a:clrTo>
+                <a:srgbClr val="FFFFFF">
+                  <a:alpha val="0"/>
+                </a:srgbClr>
+              </a:clrTo>
+            </a:clrChange>
+          </a:blip>
+          <a:stretch>
+            <a:fillRect/>
+          </a:stretch>
+        </p:blipFill>
+        <p:spPr>
+          <a:xfrm>
+            <a:off x="553263" y="6507965"/>
+            <a:ext cx="6734951" cy="3669387"/>
+          </a:xfrm>
+          <a:prstGeom prst="rect">
+            <a:avLst/>
+          </a:prstGeom>
+          <a:solidFill>
+            <a:srgbClr val="FFFFFF">
+              <a:shade val="85000"/>
+            </a:srgbClr>
+          </a:solidFill>
+          <a:ln w="88900" cap="sq">
+            <a:solidFill>
+              <a:srgbClr val="FFFFFF"/>
+            </a:solidFill>
+            <a:miter lim="800000"/>
+          </a:ln>
+          <a:effectLst>
+            <a:outerShdw blurRad="55000" dist="18000" dir="5400000" algn="tl" rotWithShape="0">
+              <a:srgbClr val="000000">
+                <a:alpha val="40000"/>
+              </a:srgbClr>
+            </a:outerShdw>
+          </a:effectLst>
+          <a:scene3d>
+            <a:camera prst="orthographicFront"/>
+            <a:lightRig rig="twoPt" dir="t">
+              <a:rot lat="0" lon="0" rev="7200000"/>
+            </a:lightRig>
+          </a:scene3d>
+          <a:sp3d>
+            <a:bevelT w="25400" h="19050"/>
+            <a:contourClr>
+              <a:srgbClr val="FFFFFF"/>
+            </a:contourClr>
+          </a:sp3d>
+        </p:spPr>
+      </p:pic>
     </p:spTree>
     <p:extLst>
       <p:ext uri="{BB962C8B-B14F-4D97-AF65-F5344CB8AC3E}">
